--- a/gpu/EE817 Lecture 14 Introduction to OpenCL.pptx
+++ b/gpu/EE817 Lecture 14 Introduction to OpenCL.pptx
@@ -282,7 +282,7 @@
           <a:p>
             <a:fld id="{0958D145-3F61-4970-8B92-DDA610F3EB4F}" type="datetimeFigureOut">
               <a:rPr lang="ko-KR" altLang="en-US" smtClean="0"/>
-              <a:t>2017-05-23</a:t>
+              <a:t>2017-06-14</a:t>
             </a:fld>
             <a:endParaRPr lang="ko-KR" altLang="en-US"/>
           </a:p>
@@ -477,7 +477,7 @@
               <a:pPr>
                 <a:defRPr/>
               </a:pPr>
-              <a:t>2017-05-23</a:t>
+              <a:t>2017-06-14</a:t>
             </a:fld>
             <a:endParaRPr lang="ko-KR" altLang="en-US"/>
           </a:p>
@@ -1339,7 +1339,7 @@
               <a:pPr>
                 <a:defRPr/>
               </a:pPr>
-              <a:t>5/23/2017</a:t>
+              <a:t>6/14/2017</a:t>
             </a:fld>
             <a:endParaRPr lang="en-US" altLang="ko-KR"/>
           </a:p>
@@ -1541,7 +1541,7 @@
               <a:pPr>
                 <a:defRPr/>
               </a:pPr>
-              <a:t>5/23/2017</a:t>
+              <a:t>6/14/2017</a:t>
             </a:fld>
             <a:endParaRPr lang="en-US" altLang="ko-KR"/>
           </a:p>
@@ -1974,7 +1974,7 @@
               <a:pPr>
                 <a:defRPr/>
               </a:pPr>
-              <a:t>5/23/2017</a:t>
+              <a:t>6/14/2017</a:t>
             </a:fld>
             <a:endParaRPr lang="en-US" altLang="ko-KR"/>
           </a:p>
@@ -2171,7 +2171,7 @@
               <a:pPr>
                 <a:defRPr/>
               </a:pPr>
-              <a:t>5/23/2017</a:t>
+              <a:t>6/14/2017</a:t>
             </a:fld>
             <a:endParaRPr lang="en-US" altLang="ko-KR"/>
           </a:p>
@@ -2686,7 +2686,7 @@
               <a:pPr>
                 <a:defRPr/>
               </a:pPr>
-              <a:t>5/23/2017</a:t>
+              <a:t>6/14/2017</a:t>
             </a:fld>
             <a:endParaRPr lang="en-US" altLang="ko-KR"/>
           </a:p>
@@ -3001,7 +3001,7 @@
               <a:pPr>
                 <a:defRPr/>
               </a:pPr>
-              <a:t>5/23/2017</a:t>
+              <a:t>6/14/2017</a:t>
             </a:fld>
             <a:endParaRPr lang="en-US" altLang="ko-KR"/>
           </a:p>
@@ -3504,7 +3504,7 @@
               <a:pPr>
                 <a:defRPr/>
               </a:pPr>
-              <a:t>5/23/2017</a:t>
+              <a:t>6/14/2017</a:t>
             </a:fld>
             <a:endParaRPr lang="en-US" altLang="ko-KR"/>
           </a:p>
@@ -3892,7 +3892,7 @@
               <a:pPr>
                 <a:defRPr/>
               </a:pPr>
-              <a:t>5/23/2017</a:t>
+              <a:t>6/14/2017</a:t>
             </a:fld>
             <a:endParaRPr lang="en-US" altLang="ko-KR"/>
           </a:p>
@@ -4350,7 +4350,7 @@
               <a:pPr>
                 <a:defRPr/>
               </a:pPr>
-              <a:t>5/23/2017</a:t>
+              <a:t>6/14/2017</a:t>
             </a:fld>
             <a:endParaRPr lang="en-US" altLang="ko-KR"/>
           </a:p>
@@ -4648,7 +4648,7 @@
               <a:pPr>
                 <a:defRPr/>
               </a:pPr>
-              <a:t>5/23/2017</a:t>
+              <a:t>6/14/2017</a:t>
             </a:fld>
             <a:endParaRPr lang="en-US" altLang="ko-KR"/>
           </a:p>
@@ -4978,7 +4978,7 @@
               <a:pPr>
                 <a:defRPr/>
               </a:pPr>
-              <a:t>5/23/2017</a:t>
+              <a:t>6/14/2017</a:t>
             </a:fld>
             <a:endParaRPr lang="en-US" altLang="ko-KR"/>
           </a:p>
@@ -5496,7 +5496,7 @@
               <a:pPr>
                 <a:defRPr/>
               </a:pPr>
-              <a:t>5/23/2017</a:t>
+              <a:t>6/14/2017</a:t>
             </a:fld>
             <a:endParaRPr lang="en-US" altLang="ko-KR"/>
           </a:p>
@@ -6995,25 +6995,6 @@
           <a:chExt cx="0" cy="0"/>
         </a:xfrm>
       </p:grpSpPr>
-      <p:sp>
-        <p:nvSpPr>
-          <p:cNvPr id="2" name="제목 1"/>
-          <p:cNvSpPr>
-            <a:spLocks noGrp="1"/>
-          </p:cNvSpPr>
-          <p:nvPr>
-            <p:ph type="title"/>
-          </p:nvPr>
-        </p:nvSpPr>
-        <p:spPr/>
-        <p:txBody>
-          <a:bodyPr/>
-          <a:lstStyle/>
-          <a:p>
-            <a:endParaRPr lang="ko-KR" altLang="en-US" dirty="0"/>
-          </a:p>
-        </p:txBody>
-      </p:sp>
       <p:pic>
         <p:nvPicPr>
           <p:cNvPr id="1027" name="Picture 3"/>
@@ -7161,25 +7142,6 @@
           <a:chExt cx="0" cy="0"/>
         </a:xfrm>
       </p:grpSpPr>
-      <p:sp>
-        <p:nvSpPr>
-          <p:cNvPr id="2" name="제목 1"/>
-          <p:cNvSpPr>
-            <a:spLocks noGrp="1"/>
-          </p:cNvSpPr>
-          <p:nvPr>
-            <p:ph type="title"/>
-          </p:nvPr>
-        </p:nvSpPr>
-        <p:spPr/>
-        <p:txBody>
-          <a:bodyPr/>
-          <a:lstStyle/>
-          <a:p>
-            <a:endParaRPr lang="ko-KR" altLang="en-US"/>
-          </a:p>
-        </p:txBody>
-      </p:sp>
       <p:pic>
         <p:nvPicPr>
           <p:cNvPr id="2050" name="Picture 2"/>
@@ -7383,25 +7345,6 @@
           </a:p>
         </p:txBody>
       </p:sp>
-      <p:sp>
-        <p:nvSpPr>
-          <p:cNvPr id="4" name="내용 개체 틀 3"/>
-          <p:cNvSpPr>
-            <a:spLocks noGrp="1"/>
-          </p:cNvSpPr>
-          <p:nvPr>
-            <p:ph idx="1"/>
-          </p:nvPr>
-        </p:nvSpPr>
-        <p:spPr/>
-        <p:txBody>
-          <a:bodyPr/>
-          <a:lstStyle/>
-          <a:p>
-            <a:endParaRPr lang="ko-KR" altLang="en-US"/>
-          </a:p>
-        </p:txBody>
-      </p:sp>
       <p:pic>
         <p:nvPicPr>
           <p:cNvPr id="3075" name="Picture 3"/>
@@ -8925,7 +8868,7 @@
         <p:spPr>
           <a:xfrm>
             <a:off x="251520" y="980728"/>
-            <a:ext cx="8229600" cy="4525963"/>
+            <a:ext cx="8229600" cy="5688632"/>
           </a:xfrm>
         </p:spPr>
         <p:txBody>
@@ -10887,25 +10830,6 @@
           <a:chExt cx="0" cy="0"/>
         </a:xfrm>
       </p:grpSpPr>
-      <p:sp>
-        <p:nvSpPr>
-          <p:cNvPr id="2" name="제목 1"/>
-          <p:cNvSpPr>
-            <a:spLocks noGrp="1"/>
-          </p:cNvSpPr>
-          <p:nvPr>
-            <p:ph type="title"/>
-          </p:nvPr>
-        </p:nvSpPr>
-        <p:spPr/>
-        <p:txBody>
-          <a:bodyPr/>
-          <a:lstStyle/>
-          <a:p>
-            <a:endParaRPr lang="ko-KR" altLang="en-US" dirty="0"/>
-          </a:p>
-        </p:txBody>
-      </p:sp>
       <p:pic>
         <p:nvPicPr>
           <p:cNvPr id="4098" name="Picture 2"/>
